--- a/resource/document/MetaOutput - Samples.pptx
+++ b/resource/document/MetaOutput - Samples.pptx
@@ -214,7 +214,7 @@
           <a:p>
             <a:fld id="{AEB24F57-5CEA-4234-9EE0-A10FCC34EE54}" type="datetimeFigureOut">
               <a:rPr lang="en-US" smtClean="0"/>
-              <a:t>7/22/2021</a:t>
+              <a:t>7/24/2021</a:t>
             </a:fld>
             <a:endParaRPr lang="en-US"/>
           </a:p>
@@ -771,7 +771,7 @@
             </a:pPr>
             <a:r>
               <a:rPr lang="en-US" sz="1200" dirty="0"/>
-              <a:t>All of them are open-source and therefore is possible to see how it made.</a:t>
+              <a:t>All of them are open-source and therefore is possible to see the source code.</a:t>
             </a:r>
           </a:p>
         </p:txBody>
@@ -995,7 +995,7 @@
             </a:r>
             <a:r>
               <a:rPr lang="en-US" sz="1200" dirty="0"/>
-              <a:t> provide the simplest mechanism for writing of own extensions.</a:t>
+              <a:t> provide the simplest mechanism for writing own extensions.</a:t>
             </a:r>
             <a:r>
               <a:rPr lang="en-US" dirty="0"/>
@@ -1015,7 +1015,7 @@
             </a:pPr>
             <a:r>
               <a:rPr lang="en-US" sz="1200" dirty="0"/>
-              <a:t>For example, C# source code for visualization of such formats have next complexity:</a:t>
+              <a:t>For example, C# source code for visualization of such formats have such complexity:</a:t>
             </a:r>
             <a:r>
               <a:rPr lang="en-US" dirty="0"/>
@@ -1059,7 +1059,7 @@
             </a:r>
             <a:r>
               <a:rPr lang="en-US" sz="1200" dirty="0"/>
-              <a:t> – 350 lines;</a:t>
+              <a:t> – 355 lines;</a:t>
             </a:r>
             <a:r>
               <a:rPr lang="en-US" dirty="0"/>
@@ -1497,7 +1497,7 @@
           <a:p>
             <a:fld id="{0043A13F-D5E6-4491-83CF-85EBA9699740}" type="datetimeFigureOut">
               <a:rPr lang="ru-UA" smtClean="0"/>
-              <a:t>07/22/2021</a:t>
+              <a:t>07/24/2021</a:t>
             </a:fld>
             <a:endParaRPr lang="ru-UA" dirty="0"/>
           </a:p>
@@ -1754,7 +1754,7 @@
           <a:p>
             <a:fld id="{0043A13F-D5E6-4491-83CF-85EBA9699740}" type="datetimeFigureOut">
               <a:rPr lang="ru-UA" smtClean="0"/>
-              <a:t>07/22/2021</a:t>
+              <a:t>07/24/2021</a:t>
             </a:fld>
             <a:endParaRPr lang="ru-UA"/>
           </a:p>
@@ -1924,7 +1924,7 @@
           <a:p>
             <a:fld id="{0043A13F-D5E6-4491-83CF-85EBA9699740}" type="datetimeFigureOut">
               <a:rPr lang="ru-UA" smtClean="0"/>
-              <a:t>07/22/2021</a:t>
+              <a:t>07/24/2021</a:t>
             </a:fld>
             <a:endParaRPr lang="ru-UA"/>
           </a:p>
@@ -2104,7 +2104,7 @@
           <a:p>
             <a:fld id="{0043A13F-D5E6-4491-83CF-85EBA9699740}" type="datetimeFigureOut">
               <a:rPr lang="ru-UA" smtClean="0"/>
-              <a:t>07/22/2021</a:t>
+              <a:t>07/24/2021</a:t>
             </a:fld>
             <a:endParaRPr lang="ru-UA"/>
           </a:p>
@@ -2405,7 +2405,7 @@
           <a:p>
             <a:fld id="{0043A13F-D5E6-4491-83CF-85EBA9699740}" type="datetimeFigureOut">
               <a:rPr lang="ru-UA" smtClean="0"/>
-              <a:t>07/22/2021</a:t>
+              <a:t>07/24/2021</a:t>
             </a:fld>
             <a:endParaRPr lang="ru-UA"/>
           </a:p>
@@ -2920,7 +2920,7 @@
           <a:p>
             <a:fld id="{0043A13F-D5E6-4491-83CF-85EBA9699740}" type="datetimeFigureOut">
               <a:rPr lang="ru-UA" smtClean="0"/>
-              <a:t>07/22/2021</a:t>
+              <a:t>07/24/2021</a:t>
             </a:fld>
             <a:endParaRPr lang="ru-UA"/>
           </a:p>
@@ -3166,7 +3166,7 @@
           <a:p>
             <a:fld id="{0043A13F-D5E6-4491-83CF-85EBA9699740}" type="datetimeFigureOut">
               <a:rPr lang="ru-UA" smtClean="0"/>
-              <a:t>07/22/2021</a:t>
+              <a:t>07/24/2021</a:t>
             </a:fld>
             <a:endParaRPr lang="ru-UA"/>
           </a:p>
@@ -3454,7 +3454,7 @@
           <a:p>
             <a:fld id="{0043A13F-D5E6-4491-83CF-85EBA9699740}" type="datetimeFigureOut">
               <a:rPr lang="ru-UA" smtClean="0"/>
-              <a:t>07/22/2021</a:t>
+              <a:t>07/24/2021</a:t>
             </a:fld>
             <a:endParaRPr lang="ru-UA"/>
           </a:p>
@@ -3942,7 +3942,7 @@
           <a:p>
             <a:fld id="{0043A13F-D5E6-4491-83CF-85EBA9699740}" type="datetimeFigureOut">
               <a:rPr lang="ru-UA" smtClean="0"/>
-              <a:t>07/22/2021</a:t>
+              <a:t>07/24/2021</a:t>
             </a:fld>
             <a:endParaRPr lang="ru-UA"/>
           </a:p>
@@ -4060,7 +4060,7 @@
           <a:p>
             <a:fld id="{0043A13F-D5E6-4491-83CF-85EBA9699740}" type="datetimeFigureOut">
               <a:rPr lang="ru-UA" smtClean="0"/>
-              <a:t>07/22/2021</a:t>
+              <a:t>07/24/2021</a:t>
             </a:fld>
             <a:endParaRPr lang="ru-UA"/>
           </a:p>
@@ -4155,7 +4155,7 @@
           <a:p>
             <a:fld id="{0043A13F-D5E6-4491-83CF-85EBA9699740}" type="datetimeFigureOut">
               <a:rPr lang="ru-UA" smtClean="0"/>
-              <a:t>07/22/2021</a:t>
+              <a:t>07/24/2021</a:t>
             </a:fld>
             <a:endParaRPr lang="ru-UA"/>
           </a:p>
@@ -4432,7 +4432,7 @@
           <a:p>
             <a:fld id="{0043A13F-D5E6-4491-83CF-85EBA9699740}" type="datetimeFigureOut">
               <a:rPr lang="ru-UA" smtClean="0"/>
-              <a:t>07/22/2021</a:t>
+              <a:t>07/24/2021</a:t>
             </a:fld>
             <a:endParaRPr lang="ru-UA"/>
           </a:p>
@@ -4654,7 +4654,7 @@
           <a:p>
             <a:fld id="{0043A13F-D5E6-4491-83CF-85EBA9699740}" type="datetimeFigureOut">
               <a:rPr lang="ru-UA" smtClean="0"/>
-              <a:t>07/22/2021</a:t>
+              <a:t>07/24/2021</a:t>
             </a:fld>
             <a:endParaRPr lang="ru-UA"/>
           </a:p>
@@ -5543,18 +5543,18 @@
             </a:pPr>
             <a:r>
               <a:rPr lang="en-US" sz="2400" dirty="0"/>
-              <a:t>All of them are open-source and therefore is possible to see how it made.</a:t>
+              <a:t>All of them are open-source and therefore is possible to see the source code.</a:t>
             </a:r>
           </a:p>
         </p:txBody>
       </p:sp>
       <p:pic>
         <p:nvPicPr>
-          <p:cNvPr id="4" name="ttsMP3.com_VoiceText_2021-7-22_20_46_9">
+          <p:cNvPr id="4" name="ttsMP3.com_VoiceText_2021-7-24_19_39_7">
             <a:hlinkClick r:id="" action="ppaction://media"/>
             <a:extLst>
               <a:ext uri="{FF2B5EF4-FFF2-40B4-BE49-F238E27FC236}">
-                <a16:creationId xmlns:a16="http://schemas.microsoft.com/office/drawing/2014/main" id="{AC091A80-2561-41C8-BAD9-E9FEF3677414}"/>
+                <a16:creationId xmlns:a16="http://schemas.microsoft.com/office/drawing/2014/main" id="{778CFACE-1947-4FE5-B512-6FD488B98953}"/>
               </a:ext>
             </a:extLst>
           </p:cNvPr>
@@ -5639,7 +5639,7 @@
                                   <p:childTnLst>
                                     <p:cmd type="call" cmd="playFrom(0.0)">
                                       <p:cBhvr>
-                                        <p:cTn id="6" dur="10422" fill="hold"/>
+                                        <p:cTn id="6" dur="10449" fill="hold"/>
                                         <p:tgtEl>
                                           <p:spTgt spid="4"/>
                                         </p:tgtEl>
@@ -6031,7 +6031,7 @@
             </a:r>
             <a:r>
               <a:rPr lang="en-US" sz="2400" dirty="0"/>
-              <a:t> provide the simplest mechanism for writing of own extensions.</a:t>
+              <a:t> provide the simplest mechanism for writing own extensions.</a:t>
             </a:r>
           </a:p>
           <a:p>
@@ -6046,7 +6046,7 @@
             </a:pPr>
             <a:r>
               <a:rPr lang="en-US" sz="2400" dirty="0"/>
-              <a:t>For example, C# source code for visualization of such formats have next complexity:</a:t>
+              <a:t>For example, C# source code for visualization of such formats have such complexity:</a:t>
             </a:r>
           </a:p>
           <a:p>
@@ -6080,7 +6080,7 @@
             </a:r>
             <a:r>
               <a:rPr lang="en-US" sz="2400" dirty="0"/>
-              <a:t> – 350 lines;</a:t>
+              <a:t> – 355 lines;</a:t>
             </a:r>
           </a:p>
           <a:p>
@@ -6122,11 +6122,11 @@
       </p:sp>
       <p:pic>
         <p:nvPicPr>
-          <p:cNvPr id="4" name="ttsMP3.com_VoiceText_2021-7-22_20_43_21">
+          <p:cNvPr id="4" name="ttsMP3.com_VoiceText_2021-7-24_19_40_12">
             <a:hlinkClick r:id="" action="ppaction://media"/>
             <a:extLst>
               <a:ext uri="{FF2B5EF4-FFF2-40B4-BE49-F238E27FC236}">
-                <a16:creationId xmlns:a16="http://schemas.microsoft.com/office/drawing/2014/main" id="{CCF9E8C5-7038-4D32-86A0-35666D377F66}"/>
+                <a16:creationId xmlns:a16="http://schemas.microsoft.com/office/drawing/2014/main" id="{383F987A-5704-4354-8CE9-F26674C61587}"/>
               </a:ext>
             </a:extLst>
           </p:cNvPr>
@@ -6211,7 +6211,7 @@
                                   <p:childTnLst>
                                     <p:cmd type="call" cmd="playFrom(0.0)">
                                       <p:cBhvr>
-                                        <p:cTn id="6" dur="28290" fill="hold"/>
+                                        <p:cTn id="6" dur="28238" fill="hold"/>
                                         <p:tgtEl>
                                           <p:spTgt spid="4"/>
                                         </p:tgtEl>
